--- a/CalendarioAgo21/Presentaciones/6_ACLs.pptx
+++ b/CalendarioAgo21/Presentaciones/6_ACLs.pptx
@@ -223,7 +223,7 @@
           <a:p>
             <a:fld id="{2D445F07-8756-451B-A938-0248325FC7BB}" type="datetimeFigureOut">
               <a:rPr lang="es-MX" smtClean="0"/>
-              <a:t>26/04/2021</a:t>
+              <a:t>03/10/2021</a:t>
             </a:fld>
             <a:endParaRPr lang="es-MX" dirty="0"/>
           </a:p>
@@ -1671,7 +1671,7 @@
           <a:p>
             <a:fld id="{5E75A0DC-66C6-4CEC-A5EB-F8C97CEC3796}" type="datetimeFigureOut">
               <a:rPr lang="es-MX" smtClean="0"/>
-              <a:t>26/04/2021</a:t>
+              <a:t>03/10/2021</a:t>
             </a:fld>
             <a:endParaRPr lang="es-MX" dirty="0"/>
           </a:p>
@@ -1841,7 +1841,7 @@
           <a:p>
             <a:fld id="{5E75A0DC-66C6-4CEC-A5EB-F8C97CEC3796}" type="datetimeFigureOut">
               <a:rPr lang="es-MX" smtClean="0"/>
-              <a:t>26/04/2021</a:t>
+              <a:t>03/10/2021</a:t>
             </a:fld>
             <a:endParaRPr lang="es-MX" dirty="0"/>
           </a:p>
@@ -2021,7 +2021,7 @@
           <a:p>
             <a:fld id="{5E75A0DC-66C6-4CEC-A5EB-F8C97CEC3796}" type="datetimeFigureOut">
               <a:rPr lang="es-MX" smtClean="0"/>
-              <a:t>26/04/2021</a:t>
+              <a:t>03/10/2021</a:t>
             </a:fld>
             <a:endParaRPr lang="es-MX" dirty="0"/>
           </a:p>
@@ -2184,7 +2184,7 @@
           <a:p>
             <a:fld id="{1D8BD707-D9CF-40AE-B4C6-C98DA3205C09}" type="datetimeFigureOut">
               <a:rPr lang="en-US"/>
-              <a:t>4/26/2021</a:t>
+              <a:t>10/3/2021</a:t>
             </a:fld>
             <a:endParaRPr lang="en-US"/>
           </a:p>
@@ -2344,7 +2344,7 @@
           <a:p>
             <a:fld id="{5E75A0DC-66C6-4CEC-A5EB-F8C97CEC3796}" type="datetimeFigureOut">
               <a:rPr lang="es-MX" smtClean="0"/>
-              <a:t>26/04/2021</a:t>
+              <a:t>03/10/2021</a:t>
             </a:fld>
             <a:endParaRPr lang="es-MX" dirty="0"/>
           </a:p>
@@ -2590,7 +2590,7 @@
           <a:p>
             <a:fld id="{5E75A0DC-66C6-4CEC-A5EB-F8C97CEC3796}" type="datetimeFigureOut">
               <a:rPr lang="es-MX" smtClean="0"/>
-              <a:t>26/04/2021</a:t>
+              <a:t>03/10/2021</a:t>
             </a:fld>
             <a:endParaRPr lang="es-MX" dirty="0"/>
           </a:p>
@@ -2878,7 +2878,7 @@
           <a:p>
             <a:fld id="{5E75A0DC-66C6-4CEC-A5EB-F8C97CEC3796}" type="datetimeFigureOut">
               <a:rPr lang="es-MX" smtClean="0"/>
-              <a:t>26/04/2021</a:t>
+              <a:t>03/10/2021</a:t>
             </a:fld>
             <a:endParaRPr lang="es-MX" dirty="0"/>
           </a:p>
@@ -3300,7 +3300,7 @@
           <a:p>
             <a:fld id="{5E75A0DC-66C6-4CEC-A5EB-F8C97CEC3796}" type="datetimeFigureOut">
               <a:rPr lang="es-MX" smtClean="0"/>
-              <a:t>26/04/2021</a:t>
+              <a:t>03/10/2021</a:t>
             </a:fld>
             <a:endParaRPr lang="es-MX" dirty="0"/>
           </a:p>
@@ -3418,7 +3418,7 @@
           <a:p>
             <a:fld id="{5E75A0DC-66C6-4CEC-A5EB-F8C97CEC3796}" type="datetimeFigureOut">
               <a:rPr lang="es-MX" smtClean="0"/>
-              <a:t>26/04/2021</a:t>
+              <a:t>03/10/2021</a:t>
             </a:fld>
             <a:endParaRPr lang="es-MX" dirty="0"/>
           </a:p>
@@ -3513,7 +3513,7 @@
           <a:p>
             <a:fld id="{5E75A0DC-66C6-4CEC-A5EB-F8C97CEC3796}" type="datetimeFigureOut">
               <a:rPr lang="es-MX" smtClean="0"/>
-              <a:t>26/04/2021</a:t>
+              <a:t>03/10/2021</a:t>
             </a:fld>
             <a:endParaRPr lang="es-MX" dirty="0"/>
           </a:p>
@@ -3790,7 +3790,7 @@
           <a:p>
             <a:fld id="{5E75A0DC-66C6-4CEC-A5EB-F8C97CEC3796}" type="datetimeFigureOut">
               <a:rPr lang="es-MX" smtClean="0"/>
-              <a:t>26/04/2021</a:t>
+              <a:t>03/10/2021</a:t>
             </a:fld>
             <a:endParaRPr lang="es-MX" dirty="0"/>
           </a:p>
@@ -4043,7 +4043,7 @@
           <a:p>
             <a:fld id="{5E75A0DC-66C6-4CEC-A5EB-F8C97CEC3796}" type="datetimeFigureOut">
               <a:rPr lang="es-MX" smtClean="0"/>
-              <a:t>26/04/2021</a:t>
+              <a:t>03/10/2021</a:t>
             </a:fld>
             <a:endParaRPr lang="es-MX" dirty="0"/>
           </a:p>
@@ -4256,7 +4256,7 @@
           <a:p>
             <a:fld id="{5E75A0DC-66C6-4CEC-A5EB-F8C97CEC3796}" type="datetimeFigureOut">
               <a:rPr lang="es-MX" smtClean="0"/>
-              <a:t>26/04/2021</a:t>
+              <a:t>03/10/2021</a:t>
             </a:fld>
             <a:endParaRPr lang="es-MX" dirty="0"/>
           </a:p>
@@ -10443,12 +10443,12 @@
           <a:graphicData uri="http://schemas.openxmlformats.org/presentationml/2006/ole">
             <mc:AlternateContent xmlns:mc="http://schemas.openxmlformats.org/markup-compatibility/2006">
               <mc:Choice xmlns:v="urn:schemas-microsoft-com:vml" Requires="v">
-                <p:oleObj spid="_x0000_s1036" name="Bitmap Image" r:id="rId4" imgW="1819280" imgH="2552567" progId="PBrush">
+                <p:oleObj name="Bitmap Image" r:id="rId3" imgW="1819280" imgH="2552567" progId="PBrush">
                   <p:embed/>
                 </p:oleObj>
               </mc:Choice>
               <mc:Fallback>
-                <p:oleObj name="Bitmap Image" r:id="rId4" imgW="1819280" imgH="2552567" progId="PBrush">
+                <p:oleObj name="Bitmap Image" r:id="rId3" imgW="1819280" imgH="2552567" progId="PBrush">
                   <p:embed/>
                   <p:pic>
                     <p:nvPicPr>
@@ -10459,7 +10459,7 @@
                       <p:nvPr/>
                     </p:nvPicPr>
                     <p:blipFill>
-                      <a:blip r:embed="rId5">
+                      <a:blip r:embed="rId4">
                         <a:extLst>
                           <a:ext uri="{28A0092B-C50C-407E-A947-70E740481C1C}">
                             <a14:useLocalDpi xmlns:a14="http://schemas.microsoft.com/office/drawing/2010/main" val="0"/>
@@ -11777,7 +11777,7 @@
         <p:spPr>
           <a:xfrm>
             <a:off x="1223628" y="1788487"/>
-            <a:ext cx="6696744" cy="3281026"/>
+            <a:ext cx="6696744" cy="3696525"/>
           </a:xfrm>
           <a:prstGeom prst="rect">
             <a:avLst/>
@@ -12826,7 +12826,7 @@
               <a:rPr lang="es-ES" spc="-15" dirty="0">
                 <a:cs typeface="Arial Narrow"/>
               </a:rPr>
-              <a:t> los paquetes (capa 3) insertados siguen distintas rutas, no es confiable.</a:t>
+              <a:t> los paquetes (capa 3) insertados siguen distintas rutas, no es confiable. La red se encarga de entregar los datos y no son entregados en orden.</a:t>
             </a:r>
             <a:endParaRPr dirty="0">
               <a:cs typeface="Arial Narrow"/>

--- a/CalendarioAgo21/Presentaciones/6_ACLs.pptx
+++ b/CalendarioAgo21/Presentaciones/6_ACLs.pptx
@@ -5,7 +5,7 @@
     <p:sldMasterId id="2147483648" r:id="rId1"/>
   </p:sldMasterIdLst>
   <p:notesMasterIdLst>
-    <p:notesMasterId r:id="rId18"/>
+    <p:notesMasterId r:id="rId19"/>
   </p:notesMasterIdLst>
   <p:sldIdLst>
     <p:sldId id="257" r:id="rId2"/>
@@ -22,8 +22,9 @@
     <p:sldId id="267" r:id="rId13"/>
     <p:sldId id="268" r:id="rId14"/>
     <p:sldId id="324" r:id="rId15"/>
-    <p:sldId id="269" r:id="rId16"/>
-    <p:sldId id="325" r:id="rId17"/>
+    <p:sldId id="326" r:id="rId16"/>
+    <p:sldId id="269" r:id="rId17"/>
+    <p:sldId id="325" r:id="rId18"/>
   </p:sldIdLst>
   <p:sldSz cx="9144000" cy="6858000" type="screen4x3"/>
   <p:notesSz cx="6858000" cy="9144000"/>
@@ -223,7 +224,7 @@
           <a:p>
             <a:fld id="{2D445F07-8756-451B-A938-0248325FC7BB}" type="datetimeFigureOut">
               <a:rPr lang="es-MX" smtClean="0"/>
-              <a:t>03/10/2021</a:t>
+              <a:t>13/10/2021</a:t>
             </a:fld>
             <a:endParaRPr lang="es-MX" dirty="0"/>
           </a:p>
@@ -854,6 +855,11 @@
         </p:txBody>
       </p:sp>
     </p:spTree>
+    <p:extLst>
+      <p:ext uri="{BB962C8B-B14F-4D97-AF65-F5344CB8AC3E}">
+        <p14:creationId xmlns:p14="http://schemas.microsoft.com/office/powerpoint/2010/main" val="252426500"/>
+      </p:ext>
+    </p:extLst>
   </p:cSld>
   <p:clrMapOvr>
     <a:masterClrMapping/>
@@ -862,6 +868,52 @@
 </file>
 
 <file path=ppt/notesSlides/notesSlide16.xml><?xml version="1.0" encoding="utf-8"?>
+<p:notes xmlns:a="http://schemas.openxmlformats.org/drawingml/2006/main" xmlns:r="http://schemas.openxmlformats.org/officeDocument/2006/relationships" xmlns:p="http://schemas.openxmlformats.org/presentationml/2006/main">
+  <p:cSld>
+    <p:spTree>
+      <p:nvGrpSpPr>
+        <p:cNvPr id="1" name=""/>
+        <p:cNvGrpSpPr/>
+        <p:nvPr/>
+      </p:nvGrpSpPr>
+      <p:grpSpPr>
+        <a:xfrm>
+          <a:off x="0" y="0"/>
+          <a:ext cx="0" cy="0"/>
+          <a:chOff x="0" y="0"/>
+          <a:chExt cx="0" cy="0"/>
+        </a:xfrm>
+      </p:grpSpPr>
+      <p:sp>
+        <p:nvSpPr>
+          <p:cNvPr id="2" name="Notes Placeholder"/>
+          <p:cNvSpPr>
+            <a:spLocks noGrp="1"/>
+          </p:cNvSpPr>
+          <p:nvPr>
+            <p:ph type="body" idx="1"/>
+          </p:nvPr>
+        </p:nvSpPr>
+        <p:spPr/>
+        <p:txBody>
+          <a:bodyPr>
+            <a:normAutofit/>
+          </a:bodyPr>
+          <a:lstStyle/>
+          <a:p>
+            <a:endParaRPr/>
+          </a:p>
+        </p:txBody>
+      </p:sp>
+    </p:spTree>
+  </p:cSld>
+  <p:clrMapOvr>
+    <a:masterClrMapping/>
+  </p:clrMapOvr>
+</p:notes>
+</file>
+
+<file path=ppt/notesSlides/notesSlide17.xml><?xml version="1.0" encoding="utf-8"?>
 <p:notes xmlns:a="http://schemas.openxmlformats.org/drawingml/2006/main" xmlns:r="http://schemas.openxmlformats.org/officeDocument/2006/relationships" xmlns:p="http://schemas.openxmlformats.org/presentationml/2006/main">
   <p:cSld>
     <p:spTree>
@@ -1671,7 +1723,7 @@
           <a:p>
             <a:fld id="{5E75A0DC-66C6-4CEC-A5EB-F8C97CEC3796}" type="datetimeFigureOut">
               <a:rPr lang="es-MX" smtClean="0"/>
-              <a:t>03/10/2021</a:t>
+              <a:t>13/10/2021</a:t>
             </a:fld>
             <a:endParaRPr lang="es-MX" dirty="0"/>
           </a:p>
@@ -1841,7 +1893,7 @@
           <a:p>
             <a:fld id="{5E75A0DC-66C6-4CEC-A5EB-F8C97CEC3796}" type="datetimeFigureOut">
               <a:rPr lang="es-MX" smtClean="0"/>
-              <a:t>03/10/2021</a:t>
+              <a:t>13/10/2021</a:t>
             </a:fld>
             <a:endParaRPr lang="es-MX" dirty="0"/>
           </a:p>
@@ -2021,7 +2073,7 @@
           <a:p>
             <a:fld id="{5E75A0DC-66C6-4CEC-A5EB-F8C97CEC3796}" type="datetimeFigureOut">
               <a:rPr lang="es-MX" smtClean="0"/>
-              <a:t>03/10/2021</a:t>
+              <a:t>13/10/2021</a:t>
             </a:fld>
             <a:endParaRPr lang="es-MX" dirty="0"/>
           </a:p>
@@ -2184,7 +2236,7 @@
           <a:p>
             <a:fld id="{1D8BD707-D9CF-40AE-B4C6-C98DA3205C09}" type="datetimeFigureOut">
               <a:rPr lang="en-US"/>
-              <a:t>10/3/2021</a:t>
+              <a:t>10/13/2021</a:t>
             </a:fld>
             <a:endParaRPr lang="en-US"/>
           </a:p>
@@ -2344,7 +2396,7 @@
           <a:p>
             <a:fld id="{5E75A0DC-66C6-4CEC-A5EB-F8C97CEC3796}" type="datetimeFigureOut">
               <a:rPr lang="es-MX" smtClean="0"/>
-              <a:t>03/10/2021</a:t>
+              <a:t>13/10/2021</a:t>
             </a:fld>
             <a:endParaRPr lang="es-MX" dirty="0"/>
           </a:p>
@@ -2590,7 +2642,7 @@
           <a:p>
             <a:fld id="{5E75A0DC-66C6-4CEC-A5EB-F8C97CEC3796}" type="datetimeFigureOut">
               <a:rPr lang="es-MX" smtClean="0"/>
-              <a:t>03/10/2021</a:t>
+              <a:t>13/10/2021</a:t>
             </a:fld>
             <a:endParaRPr lang="es-MX" dirty="0"/>
           </a:p>
@@ -2878,7 +2930,7 @@
           <a:p>
             <a:fld id="{5E75A0DC-66C6-4CEC-A5EB-F8C97CEC3796}" type="datetimeFigureOut">
               <a:rPr lang="es-MX" smtClean="0"/>
-              <a:t>03/10/2021</a:t>
+              <a:t>13/10/2021</a:t>
             </a:fld>
             <a:endParaRPr lang="es-MX" dirty="0"/>
           </a:p>
@@ -3300,7 +3352,7 @@
           <a:p>
             <a:fld id="{5E75A0DC-66C6-4CEC-A5EB-F8C97CEC3796}" type="datetimeFigureOut">
               <a:rPr lang="es-MX" smtClean="0"/>
-              <a:t>03/10/2021</a:t>
+              <a:t>13/10/2021</a:t>
             </a:fld>
             <a:endParaRPr lang="es-MX" dirty="0"/>
           </a:p>
@@ -3418,7 +3470,7 @@
           <a:p>
             <a:fld id="{5E75A0DC-66C6-4CEC-A5EB-F8C97CEC3796}" type="datetimeFigureOut">
               <a:rPr lang="es-MX" smtClean="0"/>
-              <a:t>03/10/2021</a:t>
+              <a:t>13/10/2021</a:t>
             </a:fld>
             <a:endParaRPr lang="es-MX" dirty="0"/>
           </a:p>
@@ -3513,7 +3565,7 @@
           <a:p>
             <a:fld id="{5E75A0DC-66C6-4CEC-A5EB-F8C97CEC3796}" type="datetimeFigureOut">
               <a:rPr lang="es-MX" smtClean="0"/>
-              <a:t>03/10/2021</a:t>
+              <a:t>13/10/2021</a:t>
             </a:fld>
             <a:endParaRPr lang="es-MX" dirty="0"/>
           </a:p>
@@ -3790,7 +3842,7 @@
           <a:p>
             <a:fld id="{5E75A0DC-66C6-4CEC-A5EB-F8C97CEC3796}" type="datetimeFigureOut">
               <a:rPr lang="es-MX" smtClean="0"/>
-              <a:t>03/10/2021</a:t>
+              <a:t>13/10/2021</a:t>
             </a:fld>
             <a:endParaRPr lang="es-MX" dirty="0"/>
           </a:p>
@@ -4043,7 +4095,7 @@
           <a:p>
             <a:fld id="{5E75A0DC-66C6-4CEC-A5EB-F8C97CEC3796}" type="datetimeFigureOut">
               <a:rPr lang="es-MX" smtClean="0"/>
-              <a:t>03/10/2021</a:t>
+              <a:t>13/10/2021</a:t>
             </a:fld>
             <a:endParaRPr lang="es-MX" dirty="0"/>
           </a:p>
@@ -4256,7 +4308,7 @@
           <a:p>
             <a:fld id="{5E75A0DC-66C6-4CEC-A5EB-F8C97CEC3796}" type="datetimeFigureOut">
               <a:rPr lang="es-MX" smtClean="0"/>
-              <a:t>03/10/2021</a:t>
+              <a:t>13/10/2021</a:t>
             </a:fld>
             <a:endParaRPr lang="es-MX" dirty="0"/>
           </a:p>
@@ -10081,6 +10133,11 @@
         </p:txBody>
       </p:sp>
     </p:spTree>
+    <p:extLst>
+      <p:ext uri="{BB962C8B-B14F-4D97-AF65-F5344CB8AC3E}">
+        <p14:creationId xmlns:p14="http://schemas.microsoft.com/office/powerpoint/2010/main" val="1726275846"/>
+      </p:ext>
+    </p:extLst>
   </p:cSld>
   <p:clrMapOvr>
     <a:masterClrMapping/>
@@ -10089,6 +10146,381 @@
 </file>
 
 <file path=ppt/slides/slide16.xml><?xml version="1.0" encoding="utf-8"?>
+<p:sld xmlns:a="http://schemas.openxmlformats.org/drawingml/2006/main" xmlns:r="http://schemas.openxmlformats.org/officeDocument/2006/relationships" xmlns:p="http://schemas.openxmlformats.org/presentationml/2006/main">
+  <p:cSld>
+    <p:spTree>
+      <p:nvGrpSpPr>
+        <p:cNvPr id="1" name=""/>
+        <p:cNvGrpSpPr/>
+        <p:nvPr/>
+      </p:nvGrpSpPr>
+      <p:grpSpPr>
+        <a:xfrm>
+          <a:off x="0" y="0"/>
+          <a:ext cx="0" cy="0"/>
+          <a:chOff x="0" y="0"/>
+          <a:chExt cx="0" cy="0"/>
+        </a:xfrm>
+      </p:grpSpPr>
+      <p:sp>
+        <p:nvSpPr>
+          <p:cNvPr id="3" name="object 3"/>
+          <p:cNvSpPr txBox="1"/>
+          <p:nvPr/>
+        </p:nvSpPr>
+        <p:spPr>
+          <a:xfrm>
+            <a:off x="2555776" y="1988840"/>
+            <a:ext cx="5653563" cy="3104696"/>
+          </a:xfrm>
+          <a:prstGeom prst="rect">
+            <a:avLst/>
+          </a:prstGeom>
+        </p:spPr>
+        <p:txBody>
+          <a:bodyPr vert="horz" wrap="square" lIns="0" tIns="0" rIns="0" bIns="0" rtlCol="0">
+            <a:spAutoFit/>
+          </a:bodyPr>
+          <a:lstStyle/>
+          <a:p>
+            <a:pPr marL="123825" marR="3810" algn="just"/>
+            <a:r>
+              <a:rPr b="1" spc="-11" dirty="0">
+                <a:latin typeface="Arial Narrow"/>
+                <a:cs typeface="Arial Narrow"/>
+              </a:rPr>
+              <a:t>oper</a:t>
+            </a:r>
+            <a:r>
+              <a:rPr b="1" spc="-19" dirty="0">
+                <a:latin typeface="Arial Narrow"/>
+                <a:cs typeface="Arial Narrow"/>
+              </a:rPr>
+              <a:t>a</a:t>
+            </a:r>
+            <a:r>
+              <a:rPr b="1" spc="-11" dirty="0">
+                <a:latin typeface="Arial Narrow"/>
+                <a:cs typeface="Arial Narrow"/>
+              </a:rPr>
+              <a:t>ndo</a:t>
+            </a:r>
+            <a:r>
+              <a:rPr b="1" spc="-8" dirty="0">
+                <a:latin typeface="Arial Narrow"/>
+                <a:cs typeface="Arial Narrow"/>
+              </a:rPr>
+              <a:t> </a:t>
+            </a:r>
+            <a:r>
+              <a:rPr b="1" spc="-11" dirty="0">
+                <a:solidFill>
+                  <a:srgbClr val="3333CC"/>
+                </a:solidFill>
+                <a:latin typeface="Arial Narrow"/>
+                <a:cs typeface="Arial Narrow"/>
+              </a:rPr>
+              <a:t>número</a:t>
+            </a:r>
+            <a:r>
+              <a:rPr b="1" spc="-19" dirty="0">
+                <a:solidFill>
+                  <a:srgbClr val="3333CC"/>
+                </a:solidFill>
+                <a:latin typeface="Arial Narrow"/>
+                <a:cs typeface="Arial Narrow"/>
+              </a:rPr>
+              <a:t>_</a:t>
+            </a:r>
+            <a:r>
+              <a:rPr b="1" spc="-11" dirty="0">
+                <a:solidFill>
+                  <a:srgbClr val="3333CC"/>
+                </a:solidFill>
+                <a:latin typeface="Arial Narrow"/>
+                <a:cs typeface="Arial Narrow"/>
+              </a:rPr>
+              <a:t>puerto</a:t>
+            </a:r>
+            <a:endParaRPr dirty="0">
+              <a:latin typeface="Arial Narrow"/>
+              <a:cs typeface="Arial Narrow"/>
+            </a:endParaRPr>
+          </a:p>
+          <a:p>
+            <a:pPr>
+              <a:spcBef>
+                <a:spcPts val="8"/>
+              </a:spcBef>
+            </a:pPr>
+            <a:endParaRPr lang="es-ES" sz="2175" dirty="0">
+              <a:latin typeface="Times New Roman"/>
+              <a:cs typeface="Times New Roman"/>
+            </a:endParaRPr>
+          </a:p>
+          <a:p>
+            <a:pPr marL="285750" indent="-285750" algn="l" fontAlgn="base">
+              <a:buFont typeface="Arial" panose="020B0604020202020204" pitchFamily="34" charset="0"/>
+              <a:buChar char="•"/>
+            </a:pPr>
+            <a:r>
+              <a:rPr lang="en-US" b="1" spc="-19" dirty="0" err="1">
+                <a:latin typeface="Arial" panose="020B0604020202020204" pitchFamily="34" charset="0"/>
+                <a:cs typeface="Arial" panose="020B0604020202020204" pitchFamily="34" charset="0"/>
+              </a:rPr>
+              <a:t>gt</a:t>
+            </a:r>
+            <a:r>
+              <a:rPr lang="en-US" b="1" spc="-19" dirty="0">
+                <a:latin typeface="Arial" panose="020B0604020202020204" pitchFamily="34" charset="0"/>
+                <a:cs typeface="Arial" panose="020B0604020202020204" pitchFamily="34" charset="0"/>
+              </a:rPr>
+              <a:t> (mayor que)</a:t>
+            </a:r>
+          </a:p>
+          <a:p>
+            <a:pPr marL="285750" indent="-285750" algn="l" fontAlgn="base">
+              <a:buFont typeface="Arial" panose="020B0604020202020204" pitchFamily="34" charset="0"/>
+              <a:buChar char="•"/>
+            </a:pPr>
+            <a:r>
+              <a:rPr lang="en-US" b="1" spc="-19" dirty="0" err="1">
+                <a:latin typeface="Arial" panose="020B0604020202020204" pitchFamily="34" charset="0"/>
+                <a:cs typeface="Arial" panose="020B0604020202020204" pitchFamily="34" charset="0"/>
+              </a:rPr>
+              <a:t>neq</a:t>
+            </a:r>
+            <a:r>
+              <a:rPr lang="en-US" b="1" spc="-19" dirty="0">
+                <a:latin typeface="Arial" panose="020B0604020202020204" pitchFamily="34" charset="0"/>
+                <a:cs typeface="Arial" panose="020B0604020202020204" pitchFamily="34" charset="0"/>
+              </a:rPr>
+              <a:t> (no </a:t>
+            </a:r>
+            <a:r>
+              <a:rPr lang="en-US" b="1" spc="-19" dirty="0" err="1">
+                <a:latin typeface="Arial" panose="020B0604020202020204" pitchFamily="34" charset="0"/>
+                <a:cs typeface="Arial" panose="020B0604020202020204" pitchFamily="34" charset="0"/>
+              </a:rPr>
+              <a:t>igual</a:t>
+            </a:r>
+            <a:r>
+              <a:rPr lang="en-US" b="1" spc="-19" dirty="0">
+                <a:latin typeface="Arial" panose="020B0604020202020204" pitchFamily="34" charset="0"/>
+                <a:cs typeface="Arial" panose="020B0604020202020204" pitchFamily="34" charset="0"/>
+              </a:rPr>
+              <a:t> a)</a:t>
+            </a:r>
+          </a:p>
+          <a:p>
+            <a:pPr marL="285750" indent="-285750" algn="l" fontAlgn="base">
+              <a:buFont typeface="Arial" panose="020B0604020202020204" pitchFamily="34" charset="0"/>
+              <a:buChar char="•"/>
+            </a:pPr>
+            <a:r>
+              <a:rPr lang="en-US" b="1" spc="-19" dirty="0">
+                <a:latin typeface="Arial" panose="020B0604020202020204" pitchFamily="34" charset="0"/>
+                <a:cs typeface="Arial" panose="020B0604020202020204" pitchFamily="34" charset="0"/>
+              </a:rPr>
+              <a:t>eq (</a:t>
+            </a:r>
+            <a:r>
+              <a:rPr lang="en-US" b="1" spc="-19" dirty="0" err="1">
+                <a:latin typeface="Arial" panose="020B0604020202020204" pitchFamily="34" charset="0"/>
+                <a:cs typeface="Arial" panose="020B0604020202020204" pitchFamily="34" charset="0"/>
+              </a:rPr>
+              <a:t>igual</a:t>
+            </a:r>
+            <a:r>
+              <a:rPr lang="en-US" b="1" spc="-19" dirty="0">
+                <a:latin typeface="Arial" panose="020B0604020202020204" pitchFamily="34" charset="0"/>
+                <a:cs typeface="Arial" panose="020B0604020202020204" pitchFamily="34" charset="0"/>
+              </a:rPr>
+              <a:t> a)</a:t>
+            </a:r>
+          </a:p>
+          <a:p>
+            <a:pPr marL="285750" indent="-285750" algn="l" fontAlgn="base">
+              <a:buFont typeface="Arial" panose="020B0604020202020204" pitchFamily="34" charset="0"/>
+              <a:buChar char="•"/>
+            </a:pPr>
+            <a:endParaRPr lang="en-US" b="1" spc="-19" dirty="0">
+              <a:latin typeface="Arial" panose="020B0604020202020204" pitchFamily="34" charset="0"/>
+              <a:cs typeface="Arial" panose="020B0604020202020204" pitchFamily="34" charset="0"/>
+            </a:endParaRPr>
+          </a:p>
+          <a:p>
+            <a:pPr marL="285750" indent="-285750" algn="l" fontAlgn="base">
+              <a:buFont typeface="Arial" panose="020B0604020202020204" pitchFamily="34" charset="0"/>
+              <a:buChar char="•"/>
+            </a:pPr>
+            <a:r>
+              <a:rPr lang="en-US" b="1" spc="-19" dirty="0">
+                <a:latin typeface="Arial" panose="020B0604020202020204" pitchFamily="34" charset="0"/>
+                <a:cs typeface="Arial" panose="020B0604020202020204" pitchFamily="34" charset="0"/>
+              </a:rPr>
+              <a:t>eq </a:t>
+            </a:r>
+            <a:r>
+              <a:rPr lang="en-US" b="1" spc="-19" dirty="0">
+                <a:solidFill>
+                  <a:srgbClr val="0070C0"/>
+                </a:solidFill>
+                <a:latin typeface="Arial" panose="020B0604020202020204" pitchFamily="34" charset="0"/>
+                <a:cs typeface="Arial" panose="020B0604020202020204" pitchFamily="34" charset="0"/>
+              </a:rPr>
+              <a:t>80</a:t>
+            </a:r>
+          </a:p>
+          <a:p>
+            <a:pPr marL="285750" indent="-285750" algn="l" fontAlgn="base">
+              <a:buFont typeface="Arial" panose="020B0604020202020204" pitchFamily="34" charset="0"/>
+              <a:buChar char="•"/>
+            </a:pPr>
+            <a:r>
+              <a:rPr lang="en-US" b="1" spc="-19" dirty="0">
+                <a:latin typeface="Arial" panose="020B0604020202020204" pitchFamily="34" charset="0"/>
+                <a:cs typeface="Arial" panose="020B0604020202020204" pitchFamily="34" charset="0"/>
+              </a:rPr>
+              <a:t>eq </a:t>
+            </a:r>
+            <a:r>
+              <a:rPr lang="en-US" b="1" spc="-19" dirty="0">
+                <a:solidFill>
+                  <a:srgbClr val="0070C0"/>
+                </a:solidFill>
+                <a:latin typeface="Arial" panose="020B0604020202020204" pitchFamily="34" charset="0"/>
+                <a:cs typeface="Arial" panose="020B0604020202020204" pitchFamily="34" charset="0"/>
+              </a:rPr>
+              <a:t>20</a:t>
+            </a:r>
+          </a:p>
+          <a:p>
+            <a:pPr marL="285750" indent="-285750" algn="l" fontAlgn="base">
+              <a:buFont typeface="Arial" panose="020B0604020202020204" pitchFamily="34" charset="0"/>
+              <a:buChar char="•"/>
+            </a:pPr>
+            <a:r>
+              <a:rPr lang="en-US" b="1" spc="-19" dirty="0">
+                <a:latin typeface="Arial" panose="020B0604020202020204" pitchFamily="34" charset="0"/>
+                <a:cs typeface="Arial" panose="020B0604020202020204" pitchFamily="34" charset="0"/>
+              </a:rPr>
+              <a:t>eq </a:t>
+            </a:r>
+            <a:r>
+              <a:rPr lang="en-US" b="1" spc="-19" dirty="0">
+                <a:solidFill>
+                  <a:srgbClr val="0070C0"/>
+                </a:solidFill>
+                <a:latin typeface="Arial" panose="020B0604020202020204" pitchFamily="34" charset="0"/>
+                <a:cs typeface="Arial" panose="020B0604020202020204" pitchFamily="34" charset="0"/>
+              </a:rPr>
+              <a:t>21</a:t>
+            </a:r>
+          </a:p>
+          <a:p>
+            <a:pPr marL="285750" indent="-285750" algn="l" fontAlgn="base">
+              <a:buFont typeface="Arial" panose="020B0604020202020204" pitchFamily="34" charset="0"/>
+              <a:buChar char="•"/>
+            </a:pPr>
+            <a:r>
+              <a:rPr lang="en-US" b="1" spc="-19" dirty="0" err="1">
+                <a:latin typeface="Arial" panose="020B0604020202020204" pitchFamily="34" charset="0"/>
+                <a:cs typeface="Arial" panose="020B0604020202020204" pitchFamily="34" charset="0"/>
+              </a:rPr>
+              <a:t>gt</a:t>
+            </a:r>
+            <a:r>
+              <a:rPr lang="en-US" b="1" spc="-19" dirty="0">
+                <a:solidFill>
+                  <a:srgbClr val="0070C0"/>
+                </a:solidFill>
+                <a:latin typeface="Arial" panose="020B0604020202020204" pitchFamily="34" charset="0"/>
+                <a:cs typeface="Arial" panose="020B0604020202020204" pitchFamily="34" charset="0"/>
+              </a:rPr>
+              <a:t> 23</a:t>
+            </a:r>
+          </a:p>
+          <a:p>
+            <a:pPr marL="285750" indent="-285750" algn="l" fontAlgn="base">
+              <a:buFont typeface="Arial" panose="020B0604020202020204" pitchFamily="34" charset="0"/>
+              <a:buChar char="•"/>
+            </a:pPr>
+            <a:endParaRPr b="1" spc="-19" dirty="0">
+              <a:latin typeface="Arial" panose="020B0604020202020204" pitchFamily="34" charset="0"/>
+              <a:cs typeface="Arial" panose="020B0604020202020204" pitchFamily="34" charset="0"/>
+            </a:endParaRPr>
+          </a:p>
+        </p:txBody>
+      </p:sp>
+      <p:sp>
+        <p:nvSpPr>
+          <p:cNvPr id="8" name="object 2">
+            <a:extLst>
+              <a:ext uri="{FF2B5EF4-FFF2-40B4-BE49-F238E27FC236}">
+                <a16:creationId xmlns:a16="http://schemas.microsoft.com/office/drawing/2014/main" id="{257E321D-AB3B-4F6E-89EC-D5AD1090E97F}"/>
+              </a:ext>
+            </a:extLst>
+          </p:cNvPr>
+          <p:cNvSpPr txBox="1">
+            <a:spLocks/>
+          </p:cNvSpPr>
+          <p:nvPr/>
+        </p:nvSpPr>
+        <p:spPr>
+          <a:xfrm>
+            <a:off x="596320" y="251215"/>
+            <a:ext cx="7848872" cy="984885"/>
+          </a:xfrm>
+          <a:prstGeom prst="rect">
+            <a:avLst/>
+          </a:prstGeom>
+        </p:spPr>
+        <p:txBody>
+          <a:bodyPr vert="horz" wrap="square" lIns="0" tIns="0" rIns="0" bIns="0" rtlCol="0" anchor="ctr">
+            <a:spAutoFit/>
+          </a:bodyPr>
+          <a:lstStyle>
+            <a:lvl1pPr algn="ctr" defTabSz="914400" rtl="0" eaLnBrk="1" latinLnBrk="0" hangingPunct="1">
+              <a:spcBef>
+                <a:spcPct val="0"/>
+              </a:spcBef>
+              <a:buNone/>
+              <a:defRPr sz="2700" b="1" i="0" kern="1200">
+                <a:solidFill>
+                  <a:schemeClr val="bg1"/>
+                </a:solidFill>
+                <a:latin typeface="Arial Narrow"/>
+                <a:ea typeface="+mj-ea"/>
+                <a:cs typeface="Arial Narrow"/>
+              </a:defRPr>
+            </a:lvl1pPr>
+          </a:lstStyle>
+          <a:p>
+            <a:pPr marL="92075"/>
+            <a:r>
+              <a:rPr lang="es-MX" sz="3200" spc="-15" dirty="0">
+                <a:solidFill>
+                  <a:schemeClr val="accent4">
+                    <a:lumMod val="50000"/>
+                  </a:schemeClr>
+                </a:solidFill>
+                <a:latin typeface="Dom Casual"/>
+              </a:rPr>
+              <a:t>Comandos para crear listas de control de acceso extendidas</a:t>
+            </a:r>
+          </a:p>
+        </p:txBody>
+      </p:sp>
+    </p:spTree>
+  </p:cSld>
+  <p:clrMapOvr>
+    <a:masterClrMapping/>
+  </p:clrMapOvr>
+</p:sld>
+</file>
+
+<file path=ppt/slides/slide17.xml><?xml version="1.0" encoding="utf-8"?>
 <p:sld xmlns:a="http://schemas.openxmlformats.org/drawingml/2006/main" xmlns:r="http://schemas.openxmlformats.org/officeDocument/2006/relationships" xmlns:p="http://schemas.openxmlformats.org/presentationml/2006/main">
   <p:cSld>
     <p:spTree>
